--- a/Bai 7/Signal.pptx
+++ b/Bai 7/Signal.pptx
@@ -142,6 +142,9 @@
         </p15:guide>
       </p15:sldGuideLst>
     </p:ext>
+    <p:ext uri="{2D200454-40CA-4A62-9FC3-DE9A4176ACB9}">
+      <p15:notesGuideLst xmlns:p15="http://schemas.microsoft.com/office/powerpoint/2012/main"/>
+    </p:ext>
   </p:extLst>
 </p:presentation>
 </file>
@@ -228,7 +231,7 @@
           <a:p>
             <a:fld id="{9DF6B2F8-E390-BD4F-9ACD-789C35D23CE3}" type="datetimeFigureOut">
               <a:rPr lang="en-US" smtClean="0"/>
-              <a:t>6/4/2019</a:t>
+              <a:t>7/12/2020</a:t>
             </a:fld>
             <a:endParaRPr lang="en-US"/>
           </a:p>
@@ -394,7 +397,7 @@
           <a:p>
             <a:fld id="{79FF8F81-D7B9-424E-B993-6D09B3871A4E}" type="datetimeFigureOut">
               <a:rPr lang="en-US" smtClean="0"/>
-              <a:t>6/4/2019</a:t>
+              <a:t>7/12/2020</a:t>
             </a:fld>
             <a:endParaRPr lang="en-US"/>
           </a:p>
@@ -2891,7 +2894,7 @@
           <a:p>
             <a:fld id="{7F3FBE28-58BC-4486-9A8E-6C1F0E326EAB}" type="datetime1">
               <a:rPr lang="en-US" smtClean="0"/>
-              <a:t>6/4/2019</a:t>
+              <a:t>7/12/2020</a:t>
             </a:fld>
             <a:endParaRPr lang="en-US"/>
           </a:p>
@@ -3077,7 +3080,7 @@
           <a:p>
             <a:fld id="{AE5B28C3-1882-4E84-9C82-23BA74B52008}" type="datetime1">
               <a:rPr lang="en-US" smtClean="0"/>
-              <a:t>6/4/2019</a:t>
+              <a:t>7/12/2020</a:t>
             </a:fld>
             <a:endParaRPr lang="en-US"/>
           </a:p>
@@ -3261,7 +3264,7 @@
           <a:p>
             <a:fld id="{945B1917-4DD8-41D3-93A0-974B9DFBBCBF}" type="datetime1">
               <a:rPr lang="en-US" smtClean="0"/>
-              <a:t>6/4/2019</a:t>
+              <a:t>7/12/2020</a:t>
             </a:fld>
             <a:endParaRPr lang="en-US"/>
           </a:p>
@@ -3480,7 +3483,7 @@
           <a:p>
             <a:fld id="{403BB6E5-7AA4-4C0D-BF97-BDC69083DBC9}" type="datetime1">
               <a:rPr lang="en-US" smtClean="0"/>
-              <a:t>6/4/2019</a:t>
+              <a:t>7/12/2020</a:t>
             </a:fld>
             <a:endParaRPr lang="en-US"/>
           </a:p>
@@ -3737,7 +3740,7 @@
           <a:p>
             <a:fld id="{5E5BBB4B-2F94-4F11-9AD4-28D0EBD25231}" type="datetime1">
               <a:rPr lang="en-US" smtClean="0"/>
-              <a:t>6/4/2019</a:t>
+              <a:t>7/12/2020</a:t>
             </a:fld>
             <a:endParaRPr lang="en-US"/>
           </a:p>
@@ -4036,7 +4039,7 @@
           <a:p>
             <a:fld id="{B79A5478-161F-4B28-93E5-DE9BF6B2D5E2}" type="datetime1">
               <a:rPr lang="en-US" smtClean="0"/>
-              <a:t>6/4/2019</a:t>
+              <a:t>7/12/2020</a:t>
             </a:fld>
             <a:endParaRPr lang="en-US"/>
           </a:p>
@@ -4474,7 +4477,7 @@
           <a:p>
             <a:fld id="{30E38055-F1C9-4AC4-B9E3-476EF82AD4CC}" type="datetime1">
               <a:rPr lang="en-US" smtClean="0"/>
-              <a:t>6/4/2019</a:t>
+              <a:t>7/12/2020</a:t>
             </a:fld>
             <a:endParaRPr lang="en-US"/>
           </a:p>
@@ -4603,7 +4606,7 @@
           <a:p>
             <a:fld id="{39D9E8B6-A1D4-4191-8D54-A8260B6A1972}" type="datetime1">
               <a:rPr lang="en-US" smtClean="0"/>
-              <a:t>6/4/2019</a:t>
+              <a:t>7/12/2020</a:t>
             </a:fld>
             <a:endParaRPr lang="en-US"/>
           </a:p>
@@ -4709,7 +4712,7 @@
           <a:p>
             <a:fld id="{924C1980-AF69-46D2-A9FE-14E6E6C939BE}" type="datetime1">
               <a:rPr lang="en-US" smtClean="0"/>
-              <a:t>6/4/2019</a:t>
+              <a:t>7/12/2020</a:t>
             </a:fld>
             <a:endParaRPr lang="en-US"/>
           </a:p>
@@ -4980,7 +4983,7 @@
           <a:p>
             <a:fld id="{AAA33C03-0194-466F-B287-AA772F5566B9}" type="datetime1">
               <a:rPr lang="en-US" smtClean="0"/>
-              <a:t>6/4/2019</a:t>
+              <a:t>7/12/2020</a:t>
             </a:fld>
             <a:endParaRPr lang="en-US"/>
           </a:p>
@@ -5246,7 +5249,7 @@
           <a:p>
             <a:fld id="{D31FF56F-D32E-44F3-A5D6-9F4533FAF9BD}" type="datetime1">
               <a:rPr lang="en-US" smtClean="0"/>
-              <a:t>6/4/2019</a:t>
+              <a:t>7/12/2020</a:t>
             </a:fld>
             <a:endParaRPr lang="en-US"/>
           </a:p>
@@ -5493,7 +5496,7 @@
           <a:p>
             <a:fld id="{0289C729-EC9D-4075-8A00-DCB3B3221814}" type="datetime1">
               <a:rPr lang="en-US" smtClean="0"/>
-              <a:t>6/4/2019</a:t>
+              <a:t>7/12/2020</a:t>
             </a:fld>
             <a:endParaRPr lang="en-US"/>
           </a:p>
@@ -6112,7 +6115,6 @@
               <a:rPr lang="en-US" dirty="0" smtClean="0"/>
               <a:t>SIGCHLD</a:t>
             </a:r>
-            <a:endParaRPr lang="en-US" dirty="0" smtClean="0"/>
           </a:p>
           <a:p>
             <a:pPr lvl="1"/>
@@ -7860,6 +7862,13 @@
   <p:clrMapOvr>
     <a:masterClrMapping/>
   </p:clrMapOvr>
+  <p:timing>
+    <p:tnLst>
+      <p:par>
+        <p:cTn id="1" dur="indefinite" restart="never" nodeType="tmRoot"/>
+      </p:par>
+    </p:tnLst>
+  </p:timing>
 </p:sld>
 </file>
 
@@ -8299,7 +8308,6 @@
               <a:rPr lang="en-US" dirty="0"/>
               <a:t> signal</a:t>
             </a:r>
-            <a:endParaRPr lang="en-US" dirty="0"/>
           </a:p>
         </p:txBody>
       </p:sp>
@@ -8421,6 +8429,13 @@
   <p:clrMapOvr>
     <a:masterClrMapping/>
   </p:clrMapOvr>
+  <p:timing>
+    <p:tnLst>
+      <p:par>
+        <p:cTn id="1" dur="indefinite" restart="never" nodeType="tmRoot"/>
+      </p:par>
+    </p:tnLst>
+  </p:timing>
 </p:sld>
 </file>
 
@@ -8656,6 +8671,13 @@
   <p:clrMapOvr>
     <a:masterClrMapping/>
   </p:clrMapOvr>
+  <p:timing>
+    <p:tnLst>
+      <p:par>
+        <p:cTn id="1" dur="indefinite" restart="never" nodeType="tmRoot"/>
+      </p:par>
+    </p:tnLst>
+  </p:timing>
 </p:sld>
 </file>
 
@@ -8707,7 +8729,6 @@
               <a:rPr lang="en-US" dirty="0"/>
               <a:t> signal handler</a:t>
             </a:r>
-            <a:endParaRPr lang="en-US" dirty="0"/>
           </a:p>
         </p:txBody>
       </p:sp>
@@ -8802,7 +8823,6 @@
               <a:rPr lang="en-US" dirty="0" smtClean="0"/>
               <a:t>)</a:t>
             </a:r>
-            <a:endParaRPr lang="en-US" dirty="0" smtClean="0"/>
           </a:p>
         </p:txBody>
       </p:sp>
@@ -8862,6 +8882,13 @@
   <p:clrMapOvr>
     <a:masterClrMapping/>
   </p:clrMapOvr>
+  <p:timing>
+    <p:tnLst>
+      <p:par>
+        <p:cTn id="1" dur="indefinite" restart="never" nodeType="tmRoot"/>
+      </p:par>
+    </p:tnLst>
+  </p:timing>
 </p:sld>
 </file>
 
@@ -9055,6 +9082,13 @@
   <p:clrMapOvr>
     <a:masterClrMapping/>
   </p:clrMapOvr>
+  <p:timing>
+    <p:tnLst>
+      <p:par>
+        <p:cTn id="1" dur="indefinite" restart="never" nodeType="tmRoot"/>
+      </p:par>
+    </p:tnLst>
+  </p:timing>
 </p:sld>
 </file>
 
@@ -9123,17 +9157,17 @@
           <a:p>
             <a:r>
               <a:rPr lang="vi-VN" dirty="0"/>
-              <a:t>Viết 1 chương trình C để in chữ hello world mỗi khi user nhấn phím Ctrl + C</a:t>
-            </a:r>
-          </a:p>
-          <a:p>
-            <a:r>
-              <a:rPr lang="vi-VN" dirty="0"/>
-              <a:t>Viết 1 chương trình C sleep vô thời hạn, sử dụng 1 chương trình C khác gửi signal để wakeup chương trình C đầu tiên lên</a:t>
+              <a:t>Viết 1 chương trình C để in chữ hello world mỗi khi user nhấn phím Ctrl + </a:t>
             </a:r>
             <a:r>
               <a:rPr lang="vi-VN" dirty="0" smtClean="0"/>
-              <a:t>.</a:t>
+              <a:t>C</a:t>
+            </a:r>
+          </a:p>
+          <a:p>
+            <a:r>
+              <a:rPr lang="vi-VN" dirty="0" smtClean="0"/>
+              <a:t>Viết 1 chương trình C sleep vô thời hạn, sử dụng 1 chương trình C khác gửi signal để wakeup chương trình C đầu tiên lên.</a:t>
             </a:r>
             <a:endParaRPr lang="vi-VN" dirty="0"/>
           </a:p>
